--- a/docs/diagrams/LogicComponentClassDiagram.pptx
+++ b/docs/diagrams/LogicComponentClassDiagram.pptx
@@ -126,10 +126,6 @@
 </p:presentation>
 </file>
 
-<file path=ppt/revisionInfo.xml><?xml version="1.0" encoding="utf-8"?>
-<p1510:revInfo xmlns:a="http://schemas.openxmlformats.org/drawingml/2006/main" xmlns:r="http://schemas.openxmlformats.org/officeDocument/2006/relationships" xmlns:p1510="http://schemas.microsoft.com/office/powerpoint/2015/10/main"/>
-</file>
-
 <file path=ppt/notesMasters/notesMaster1.xml><?xml version="1.0" encoding="utf-8"?>
 <p:notesMaster xmlns:a="http://schemas.openxmlformats.org/drawingml/2006/main" xmlns:r="http://schemas.openxmlformats.org/officeDocument/2006/relationships" xmlns:p="http://schemas.openxmlformats.org/presentationml/2006/main">
   <p:cSld>
@@ -212,7 +208,7 @@
           <a:p>
             <a:fld id="{F5CC4B3F-88C1-4FFA-B1B6-F41C21DC6924}" type="datetimeFigureOut">
               <a:rPr lang="en-US" smtClean="0"/>
-              <a:t>4/16/2018</a:t>
+              <a:t>3/31/2019</a:t>
             </a:fld>
             <a:endParaRPr lang="en-US"/>
           </a:p>
@@ -479,6 +475,90 @@
 </p:notesMaster>
 </file>
 
+<file path=ppt/notesSlides/notesSlide1.xml><?xml version="1.0" encoding="utf-8"?>
+<p:notes xmlns:a="http://schemas.openxmlformats.org/drawingml/2006/main" xmlns:r="http://schemas.openxmlformats.org/officeDocument/2006/relationships" xmlns:p="http://schemas.openxmlformats.org/presentationml/2006/main">
+  <p:cSld>
+    <p:spTree>
+      <p:nvGrpSpPr>
+        <p:cNvPr id="1" name=""/>
+        <p:cNvGrpSpPr/>
+        <p:nvPr/>
+      </p:nvGrpSpPr>
+      <p:grpSpPr>
+        <a:xfrm>
+          <a:off x="0" y="0"/>
+          <a:ext cx="0" cy="0"/>
+          <a:chOff x="0" y="0"/>
+          <a:chExt cx="0" cy="0"/>
+        </a:xfrm>
+      </p:grpSpPr>
+      <p:sp>
+        <p:nvSpPr>
+          <p:cNvPr id="2" name="Slide Image Placeholder 1"/>
+          <p:cNvSpPr>
+            <a:spLocks noGrp="1" noRot="1" noChangeAspect="1"/>
+          </p:cNvSpPr>
+          <p:nvPr>
+            <p:ph type="sldImg"/>
+          </p:nvPr>
+        </p:nvSpPr>
+        <p:spPr/>
+      </p:sp>
+      <p:sp>
+        <p:nvSpPr>
+          <p:cNvPr id="3" name="Notes Placeholder 2"/>
+          <p:cNvSpPr>
+            <a:spLocks noGrp="1"/>
+          </p:cNvSpPr>
+          <p:nvPr>
+            <p:ph type="body" idx="1"/>
+          </p:nvPr>
+        </p:nvSpPr>
+        <p:spPr/>
+        <p:txBody>
+          <a:bodyPr/>
+          <a:lstStyle/>
+          <a:p>
+            <a:endParaRPr lang="en-SG" dirty="0"/>
+          </a:p>
+        </p:txBody>
+      </p:sp>
+      <p:sp>
+        <p:nvSpPr>
+          <p:cNvPr id="4" name="Slide Number Placeholder 3"/>
+          <p:cNvSpPr>
+            <a:spLocks noGrp="1"/>
+          </p:cNvSpPr>
+          <p:nvPr>
+            <p:ph type="sldNum" sz="quarter" idx="5"/>
+          </p:nvPr>
+        </p:nvSpPr>
+        <p:spPr/>
+        <p:txBody>
+          <a:bodyPr/>
+          <a:lstStyle/>
+          <a:p>
+            <a:fld id="{5A7AB025-77E3-4BD1-A2FD-B3183DBA47A3}" type="slidenum">
+              <a:rPr lang="en-US" smtClean="0"/>
+              <a:t>1</a:t>
+            </a:fld>
+            <a:endParaRPr lang="en-US"/>
+          </a:p>
+        </p:txBody>
+      </p:sp>
+    </p:spTree>
+    <p:extLst>
+      <p:ext uri="{BB962C8B-B14F-4D97-AF65-F5344CB8AC3E}">
+        <p14:creationId xmlns:p14="http://schemas.microsoft.com/office/powerpoint/2010/main" val="3423166633"/>
+      </p:ext>
+    </p:extLst>
+  </p:cSld>
+  <p:clrMapOvr>
+    <a:masterClrMapping/>
+  </p:clrMapOvr>
+</p:notes>
+</file>
+
 <file path=ppt/slideLayouts/slideLayout1.xml><?xml version="1.0" encoding="utf-8"?>
 <p:sldLayout xmlns:a="http://schemas.openxmlformats.org/drawingml/2006/main" xmlns:r="http://schemas.openxmlformats.org/officeDocument/2006/relationships" xmlns:p="http://schemas.openxmlformats.org/presentationml/2006/main" type="title" preserve="1">
   <p:cSld name="Title Slide">
@@ -658,7 +738,7 @@
           <a:p>
             <a:fld id="{78C97017-6FC3-485B-9764-EAC9E56C1D49}" type="datetimeFigureOut">
               <a:rPr lang="en-US" smtClean="0"/>
-              <a:t>4/16/2018</a:t>
+              <a:t>3/31/2019</a:t>
             </a:fld>
             <a:endParaRPr lang="en-US"/>
           </a:p>
@@ -826,7 +906,7 @@
           <a:p>
             <a:fld id="{78C97017-6FC3-485B-9764-EAC9E56C1D49}" type="datetimeFigureOut">
               <a:rPr lang="en-US" smtClean="0"/>
-              <a:t>4/16/2018</a:t>
+              <a:t>3/31/2019</a:t>
             </a:fld>
             <a:endParaRPr lang="en-US"/>
           </a:p>
@@ -1004,7 +1084,7 @@
           <a:p>
             <a:fld id="{78C97017-6FC3-485B-9764-EAC9E56C1D49}" type="datetimeFigureOut">
               <a:rPr lang="en-US" smtClean="0"/>
-              <a:t>4/16/2018</a:t>
+              <a:t>3/31/2019</a:t>
             </a:fld>
             <a:endParaRPr lang="en-US"/>
           </a:p>
@@ -1172,7 +1252,7 @@
           <a:p>
             <a:fld id="{78C97017-6FC3-485B-9764-EAC9E56C1D49}" type="datetimeFigureOut">
               <a:rPr lang="en-US" smtClean="0"/>
-              <a:t>4/16/2018</a:t>
+              <a:t>3/31/2019</a:t>
             </a:fld>
             <a:endParaRPr lang="en-US"/>
           </a:p>
@@ -1417,7 +1497,7 @@
           <a:p>
             <a:fld id="{78C97017-6FC3-485B-9764-EAC9E56C1D49}" type="datetimeFigureOut">
               <a:rPr lang="en-US" smtClean="0"/>
-              <a:t>4/16/2018</a:t>
+              <a:t>3/31/2019</a:t>
             </a:fld>
             <a:endParaRPr lang="en-US"/>
           </a:p>
@@ -1702,7 +1782,7 @@
           <a:p>
             <a:fld id="{78C97017-6FC3-485B-9764-EAC9E56C1D49}" type="datetimeFigureOut">
               <a:rPr lang="en-US" smtClean="0"/>
-              <a:t>4/16/2018</a:t>
+              <a:t>3/31/2019</a:t>
             </a:fld>
             <a:endParaRPr lang="en-US"/>
           </a:p>
@@ -2121,7 +2201,7 @@
           <a:p>
             <a:fld id="{78C97017-6FC3-485B-9764-EAC9E56C1D49}" type="datetimeFigureOut">
               <a:rPr lang="en-US" smtClean="0"/>
-              <a:t>4/16/2018</a:t>
+              <a:t>3/31/2019</a:t>
             </a:fld>
             <a:endParaRPr lang="en-US"/>
           </a:p>
@@ -2238,7 +2318,7 @@
           <a:p>
             <a:fld id="{78C97017-6FC3-485B-9764-EAC9E56C1D49}" type="datetimeFigureOut">
               <a:rPr lang="en-US" smtClean="0"/>
-              <a:t>4/16/2018</a:t>
+              <a:t>3/31/2019</a:t>
             </a:fld>
             <a:endParaRPr lang="en-US"/>
           </a:p>
@@ -2333,7 +2413,7 @@
           <a:p>
             <a:fld id="{78C97017-6FC3-485B-9764-EAC9E56C1D49}" type="datetimeFigureOut">
               <a:rPr lang="en-US" smtClean="0"/>
-              <a:t>4/16/2018</a:t>
+              <a:t>3/31/2019</a:t>
             </a:fld>
             <a:endParaRPr lang="en-US"/>
           </a:p>
@@ -2608,7 +2688,7 @@
           <a:p>
             <a:fld id="{78C97017-6FC3-485B-9764-EAC9E56C1D49}" type="datetimeFigureOut">
               <a:rPr lang="en-US" smtClean="0"/>
-              <a:t>4/16/2018</a:t>
+              <a:t>3/31/2019</a:t>
             </a:fld>
             <a:endParaRPr lang="en-US"/>
           </a:p>
@@ -2860,7 +2940,7 @@
           <a:p>
             <a:fld id="{78C97017-6FC3-485B-9764-EAC9E56C1D49}" type="datetimeFigureOut">
               <a:rPr lang="en-US" smtClean="0"/>
-              <a:t>4/16/2018</a:t>
+              <a:t>3/31/2019</a:t>
             </a:fld>
             <a:endParaRPr lang="en-US"/>
           </a:p>
@@ -3071,7 +3151,7 @@
           <a:p>
             <a:fld id="{78C97017-6FC3-485B-9764-EAC9E56C1D49}" type="datetimeFigureOut">
               <a:rPr lang="en-US" smtClean="0"/>
-              <a:t>4/16/2018</a:t>
+              <a:t>3/31/2019</a:t>
             </a:fld>
             <a:endParaRPr lang="en-US"/>
           </a:p>
@@ -3454,8 +3534,8 @@
         </p:nvSpPr>
         <p:spPr>
           <a:xfrm>
-            <a:off x="1066800" y="914400"/>
-            <a:ext cx="7084740" cy="3733800"/>
+            <a:off x="1066800" y="541980"/>
+            <a:ext cx="8610600" cy="4106220"/>
           </a:xfrm>
           <a:prstGeom prst="roundRect">
             <a:avLst>
@@ -3515,7 +3595,7 @@
         </p:nvSpPr>
         <p:spPr>
           <a:xfrm>
-            <a:off x="2095948" y="1253067"/>
+            <a:off x="2109073" y="835857"/>
             <a:ext cx="1093635" cy="346760"/>
           </a:xfrm>
           <a:prstGeom prst="rect">
@@ -3607,7 +3687,7 @@
           <a:p>
             <a:pPr algn="ctr"/>
             <a:r>
-              <a:rPr lang="en-US" sz="1050" b="1" dirty="0" err="1" smtClean="0">
+              <a:rPr lang="en-US" sz="1050" b="1" dirty="0" err="1">
                 <a:solidFill>
                   <a:srgbClr val="0070C0"/>
                 </a:solidFill>
@@ -3685,6 +3765,7 @@
         <p:nvCxnSpPr>
           <p:cNvPr id="6" name="Elbow Connector 63"/>
           <p:cNvCxnSpPr>
+            <a:cxnSpLocks/>
             <a:stCxn id="12" idx="3"/>
             <a:endCxn id="3" idx="3"/>
           </p:cNvCxnSpPr>
@@ -3692,12 +3773,12 @@
         </p:nvCxnSpPr>
         <p:spPr>
           <a:xfrm flipH="1" flipV="1">
-            <a:off x="3189583" y="1426447"/>
-            <a:ext cx="4559332" cy="2895973"/>
+            <a:off x="3202708" y="1009237"/>
+            <a:ext cx="5952922" cy="3313183"/>
           </a:xfrm>
           <a:prstGeom prst="bentConnector3">
             <a:avLst>
-              <a:gd name="adj1" fmla="val -5014"/>
+              <a:gd name="adj1" fmla="val -3840"/>
             </a:avLst>
           </a:prstGeom>
           <a:ln w="19050">
@@ -3735,7 +3816,7 @@
         </p:nvCxnSpPr>
         <p:spPr>
           <a:xfrm>
-            <a:off x="1676400" y="1423587"/>
+            <a:off x="1689525" y="1006377"/>
             <a:ext cx="419548" cy="2860"/>
           </a:xfrm>
           <a:prstGeom prst="bentConnector3">
@@ -3777,7 +3858,7 @@
         <p:spPr>
           <a:xfrm>
             <a:off x="1103085" y="4777355"/>
-            <a:ext cx="7050315" cy="328045"/>
+            <a:ext cx="8574315" cy="328045"/>
           </a:xfrm>
           <a:prstGeom prst="roundRect">
             <a:avLst/>
@@ -3837,7 +3918,7 @@
         <p:spPr>
           <a:xfrm>
             <a:off x="6976872" y="4149040"/>
-            <a:ext cx="772043" cy="346760"/>
+            <a:ext cx="2178758" cy="346760"/>
           </a:xfrm>
           <a:prstGeom prst="rect">
             <a:avLst/>
@@ -3939,12 +4020,12 @@
           <a:p>
             <a:pPr algn="ctr"/>
             <a:r>
-              <a:rPr lang="en-US" sz="1050" dirty="0" err="1" smtClean="0">
+              <a:rPr lang="en-US" sz="1050" dirty="0" err="1">
                 <a:solidFill>
                   <a:schemeClr val="bg1"/>
                 </a:solidFill>
               </a:rPr>
-              <a:t>AddressBook</a:t>
+              <a:t>PocketProject</a:t>
             </a:r>
             <a:endParaRPr lang="en-US" sz="1050" dirty="0">
               <a:solidFill>
@@ -3974,14 +4055,15 @@
         <p:nvCxnSpPr>
           <p:cNvPr id="18" name="Straight Arrow Connector 110"/>
           <p:cNvCxnSpPr>
+            <a:cxnSpLocks/>
             <a:stCxn id="12" idx="2"/>
           </p:cNvCxnSpPr>
           <p:nvPr/>
         </p:nvCxnSpPr>
         <p:spPr>
           <a:xfrm>
-            <a:off x="7362894" y="4495800"/>
-            <a:ext cx="0" cy="281555"/>
+            <a:off x="8066251" y="4495800"/>
+            <a:ext cx="10949" cy="289331"/>
           </a:xfrm>
           <a:prstGeom prst="straightConnector1">
             <a:avLst/>
@@ -4019,8 +4101,8 @@
         </p:nvSpPr>
         <p:spPr>
           <a:xfrm rot="16200000">
-            <a:off x="398120" y="2150720"/>
-            <a:ext cx="2209800" cy="346760"/>
+            <a:off x="264242" y="2016842"/>
+            <a:ext cx="2477556" cy="346760"/>
           </a:xfrm>
           <a:prstGeom prst="rect">
             <a:avLst/>
@@ -4264,6 +4346,7 @@
         <p:nvCxnSpPr>
           <p:cNvPr id="25" name="Elbow Connector 63"/>
           <p:cNvCxnSpPr>
+            <a:cxnSpLocks/>
             <a:endCxn id="12" idx="1"/>
           </p:cNvCxnSpPr>
           <p:nvPr/>
@@ -4275,7 +4358,7 @@
           </a:xfrm>
           <a:prstGeom prst="bentConnector3">
             <a:avLst>
-              <a:gd name="adj1" fmla="val -81"/>
+              <a:gd name="adj1" fmla="val -637"/>
             </a:avLst>
           </a:prstGeom>
           <a:ln w="19050">
@@ -5815,7 +5898,7 @@
           <a:p>
             <a:pPr algn="ctr"/>
             <a:r>
-              <a:rPr lang="en-US" sz="1050" b="1" dirty="0" err="1" smtClean="0">
+              <a:rPr lang="en-US" sz="1050" b="1" dirty="0" err="1">
                 <a:solidFill>
                   <a:schemeClr val="bg1"/>
                 </a:solidFill>
@@ -6126,8 +6209,8 @@
         </p:nvSpPr>
         <p:spPr>
           <a:xfrm>
-            <a:off x="6263130" y="1981200"/>
-            <a:ext cx="1276614" cy="630473"/>
+            <a:off x="5785119" y="3241140"/>
+            <a:ext cx="1349608" cy="645636"/>
           </a:xfrm>
           <a:prstGeom prst="foldedCorner">
             <a:avLst/>
@@ -6165,7 +6248,7 @@
           <a:p>
             <a:pPr algn="ctr"/>
             <a:r>
-              <a:rPr lang="en-US" sz="1050" dirty="0" err="1" smtClean="0">
+              <a:rPr lang="en-US" sz="1050" dirty="0" err="1">
                 <a:solidFill>
                   <a:schemeClr val="bg1"/>
                 </a:solidFill>
@@ -6173,7 +6256,7 @@
               <a:t>XYZCommand</a:t>
             </a:r>
             <a:r>
-              <a:rPr lang="en-US" sz="1050" dirty="0" smtClean="0">
+              <a:rPr lang="en-US" sz="1050" dirty="0">
                 <a:solidFill>
                   <a:schemeClr val="bg1"/>
                 </a:solidFill>
@@ -6181,15 +6264,15 @@
               <a:t> = </a:t>
             </a:r>
             <a:r>
-              <a:rPr lang="en-US" sz="1050" dirty="0" err="1" smtClean="0">
+              <a:rPr lang="en-US" sz="1050" dirty="0" err="1">
                 <a:solidFill>
                   <a:schemeClr val="bg1"/>
                 </a:solidFill>
               </a:rPr>
-              <a:t>AddCommand</a:t>
-            </a:r>
-            <a:r>
-              <a:rPr lang="en-US" sz="1050" dirty="0" smtClean="0">
+              <a:t>EditCommand</a:t>
+            </a:r>
+            <a:r>
+              <a:rPr lang="en-US" sz="1050" dirty="0">
                 <a:solidFill>
                   <a:schemeClr val="bg1"/>
                 </a:solidFill>
@@ -6197,7 +6280,209 @@
               <a:t>, </a:t>
             </a:r>
             <a:r>
-              <a:rPr lang="en-US" sz="1050" dirty="0" err="1" smtClean="0">
+              <a:rPr lang="en-US" sz="1050" dirty="0" err="1">
+                <a:solidFill>
+                  <a:schemeClr val="bg1"/>
+                </a:solidFill>
+              </a:rPr>
+              <a:t>StatsCommand</a:t>
+            </a:r>
+            <a:r>
+              <a:rPr lang="en-US" sz="1050" dirty="0">
+                <a:solidFill>
+                  <a:schemeClr val="bg1"/>
+                </a:solidFill>
+              </a:rPr>
+              <a:t>, etc.</a:t>
+            </a:r>
+          </a:p>
+        </p:txBody>
+      </p:sp>
+      <p:sp>
+        <p:nvSpPr>
+          <p:cNvPr id="61" name="Rectangle 11">
+            <a:extLst>
+              <a:ext uri="{FF2B5EF4-FFF2-40B4-BE49-F238E27FC236}">
+                <a16:creationId xmlns:a16="http://schemas.microsoft.com/office/drawing/2014/main" id="{2E7C289F-E509-4E60-9417-7E13A59E72DC}"/>
+              </a:ext>
+            </a:extLst>
+          </p:cNvPr>
+          <p:cNvSpPr/>
+          <p:nvPr/>
+        </p:nvSpPr>
+        <p:spPr>
+          <a:xfrm flipH="1">
+            <a:off x="7991902" y="1968441"/>
+            <a:ext cx="1075897" cy="346760"/>
+          </a:xfrm>
+          <a:prstGeom prst="rect">
+            <a:avLst/>
+          </a:prstGeom>
+          <a:ln w="19050">
+            <a:solidFill>
+              <a:srgbClr val="0070C0"/>
+            </a:solidFill>
+          </a:ln>
+          <a:effectLst/>
+        </p:spPr>
+        <p:style>
+          <a:lnRef idx="1">
+            <a:schemeClr val="accent1"/>
+          </a:lnRef>
+          <a:fillRef idx="2">
+            <a:schemeClr val="accent1"/>
+          </a:fillRef>
+          <a:effectRef idx="1">
+            <a:schemeClr val="accent1"/>
+          </a:effectRef>
+          <a:fontRef idx="minor">
+            <a:schemeClr val="dk1"/>
+          </a:fontRef>
+        </p:style>
+        <p:txBody>
+          <a:bodyPr rtlCol="0" anchor="ctr"/>
+          <a:lstStyle/>
+          <a:p>
+            <a:pPr algn="ctr"/>
+            <a:r>
+              <a:rPr lang="en-US" sz="1050" b="1" dirty="0" err="1">
+                <a:solidFill>
+                  <a:srgbClr val="0070C0"/>
+                </a:solidFill>
+              </a:rPr>
+              <a:t>ABCDCommand</a:t>
+            </a:r>
+            <a:endParaRPr lang="en-SG" sz="1050" b="1" dirty="0">
+              <a:solidFill>
+                <a:srgbClr val="0070C0"/>
+              </a:solidFill>
+            </a:endParaRPr>
+          </a:p>
+        </p:txBody>
+      </p:sp>
+      <p:cxnSp>
+        <p:nvCxnSpPr>
+          <p:cNvPr id="71" name="Elbow Connector 63">
+            <a:extLst>
+              <a:ext uri="{FF2B5EF4-FFF2-40B4-BE49-F238E27FC236}">
+                <a16:creationId xmlns:a16="http://schemas.microsoft.com/office/drawing/2014/main" id="{59D8E44A-4CF5-4FB6-96D2-B36DEE5CC68B}"/>
+              </a:ext>
+            </a:extLst>
+          </p:cNvPr>
+          <p:cNvCxnSpPr>
+            <a:cxnSpLocks/>
+            <a:stCxn id="42" idx="1"/>
+            <a:endCxn id="61" idx="3"/>
+          </p:cNvCxnSpPr>
+          <p:nvPr/>
+        </p:nvCxnSpPr>
+        <p:spPr>
+          <a:xfrm flipV="1">
+            <a:off x="6066328" y="2141821"/>
+            <a:ext cx="1925574" cy="772370"/>
+          </a:xfrm>
+          <a:prstGeom prst="bentConnector3">
+            <a:avLst>
+              <a:gd name="adj1" fmla="val 17438"/>
+            </a:avLst>
+          </a:prstGeom>
+          <a:ln w="19050">
+            <a:solidFill>
+              <a:schemeClr val="accent5">
+                <a:lumMod val="75000"/>
+              </a:schemeClr>
+            </a:solidFill>
+            <a:prstDash val="sysDot"/>
+            <a:headEnd type="none" w="med" len="med"/>
+            <a:tailEnd type="arrow" w="med" len="med"/>
+          </a:ln>
+          <a:effectLst/>
+        </p:spPr>
+        <p:style>
+          <a:lnRef idx="1">
+            <a:schemeClr val="accent2"/>
+          </a:lnRef>
+          <a:fillRef idx="2">
+            <a:schemeClr val="accent2"/>
+          </a:fillRef>
+          <a:effectRef idx="1">
+            <a:schemeClr val="accent2"/>
+          </a:effectRef>
+          <a:fontRef idx="minor">
+            <a:schemeClr val="dk1"/>
+          </a:fontRef>
+        </p:style>
+      </p:cxnSp>
+      <p:sp>
+        <p:nvSpPr>
+          <p:cNvPr id="76" name="Folded Corner 126">
+            <a:extLst>
+              <a:ext uri="{FF2B5EF4-FFF2-40B4-BE49-F238E27FC236}">
+                <a16:creationId xmlns:a16="http://schemas.microsoft.com/office/drawing/2014/main" id="{874101C7-C0A9-496D-A18A-B22574913DDB}"/>
+              </a:ext>
+            </a:extLst>
+          </p:cNvPr>
+          <p:cNvSpPr/>
+          <p:nvPr/>
+        </p:nvSpPr>
+        <p:spPr>
+          <a:xfrm>
+            <a:off x="6098629" y="1124154"/>
+            <a:ext cx="1682587" cy="986553"/>
+          </a:xfrm>
+          <a:prstGeom prst="foldedCorner">
+            <a:avLst/>
+          </a:prstGeom>
+          <a:solidFill>
+            <a:schemeClr val="accent5">
+              <a:lumMod val="60000"/>
+              <a:lumOff val="40000"/>
+            </a:schemeClr>
+          </a:solidFill>
+          <a:ln w="19050">
+            <a:solidFill>
+              <a:schemeClr val="bg1"/>
+            </a:solidFill>
+          </a:ln>
+          <a:effectLst/>
+        </p:spPr>
+        <p:style>
+          <a:lnRef idx="1">
+            <a:schemeClr val="accent2"/>
+          </a:lnRef>
+          <a:fillRef idx="2">
+            <a:schemeClr val="accent2"/>
+          </a:fillRef>
+          <a:effectRef idx="1">
+            <a:schemeClr val="accent2"/>
+          </a:effectRef>
+          <a:fontRef idx="minor">
+            <a:schemeClr val="dk1"/>
+          </a:fontRef>
+        </p:style>
+        <p:txBody>
+          <a:bodyPr rtlCol="0" anchor="ctr"/>
+          <a:lstStyle/>
+          <a:p>
+            <a:pPr algn="ctr"/>
+            <a:r>
+              <a:rPr lang="en-US" sz="1050" dirty="0" err="1">
+                <a:solidFill>
+                  <a:schemeClr val="bg1"/>
+                </a:solidFill>
+              </a:rPr>
+              <a:t>ABCCommand</a:t>
+            </a:r>
+            <a:r>
+              <a:rPr lang="en-US" sz="1050" dirty="0">
+                <a:solidFill>
+                  <a:schemeClr val="bg1"/>
+                </a:solidFill>
+              </a:rPr>
+              <a:t> = </a:t>
+            </a:r>
+            <a:r>
+              <a:rPr lang="en-US" sz="1050" dirty="0" err="1">
                 <a:solidFill>
                   <a:schemeClr val="bg1"/>
                 </a:solidFill>
@@ -6205,21 +6490,451 @@
               <a:t>FindCommand</a:t>
             </a:r>
             <a:r>
-              <a:rPr lang="en-US" sz="1050" dirty="0" smtClean="0">
+              <a:rPr lang="en-US" sz="1050" dirty="0">
+                <a:solidFill>
+                  <a:schemeClr val="bg1"/>
+                </a:solidFill>
+              </a:rPr>
+              <a:t>, </a:t>
+            </a:r>
+            <a:r>
+              <a:rPr lang="en-US" sz="1050" dirty="0" err="1">
+                <a:solidFill>
+                  <a:schemeClr val="bg1"/>
+                </a:solidFill>
+              </a:rPr>
+              <a:t>ListCommand</a:t>
+            </a:r>
+            <a:r>
+              <a:rPr lang="en-US" sz="1050" dirty="0">
                 <a:solidFill>
                   <a:schemeClr val="bg1"/>
                 </a:solidFill>
               </a:rPr>
               <a:t>, etc.</a:t>
             </a:r>
-            <a:endParaRPr lang="en-US" sz="1050" dirty="0">
+          </a:p>
+          <a:p>
+            <a:pPr algn="ctr"/>
+            <a:r>
+              <a:rPr lang="en-US" sz="1050" dirty="0">
+                <a:solidFill>
+                  <a:schemeClr val="bg1"/>
+                </a:solidFill>
+              </a:rPr>
+              <a:t>(with different command keywords)</a:t>
+            </a:r>
+          </a:p>
+        </p:txBody>
+      </p:sp>
+      <p:grpSp>
+        <p:nvGrpSpPr>
+          <p:cNvPr id="84" name="Group 83">
+            <a:extLst>
+              <a:ext uri="{FF2B5EF4-FFF2-40B4-BE49-F238E27FC236}">
+                <a16:creationId xmlns:a16="http://schemas.microsoft.com/office/drawing/2014/main" id="{7E6AA234-3AFD-4565-A70A-3BCF1FB1526C}"/>
+              </a:ext>
+            </a:extLst>
+          </p:cNvPr>
+          <p:cNvGrpSpPr/>
+          <p:nvPr/>
+        </p:nvGrpSpPr>
+        <p:grpSpPr>
+          <a:xfrm rot="5400000">
+            <a:off x="6817348" y="2002231"/>
+            <a:ext cx="222304" cy="598286"/>
+            <a:chOff x="3965759" y="592436"/>
+            <a:chExt cx="254462" cy="503902"/>
+          </a:xfrm>
+        </p:grpSpPr>
+        <p:sp>
+          <p:nvSpPr>
+            <p:cNvPr id="90" name="TextBox 89">
+              <a:extLst>
+                <a:ext uri="{FF2B5EF4-FFF2-40B4-BE49-F238E27FC236}">
+                  <a16:creationId xmlns:a16="http://schemas.microsoft.com/office/drawing/2014/main" id="{DC3DEE0B-1D26-4C9C-B6EA-7883D813DA1D}"/>
+                </a:ext>
+              </a:extLst>
+            </p:cNvPr>
+            <p:cNvSpPr txBox="1"/>
+            <p:nvPr/>
+          </p:nvSpPr>
+          <p:spPr>
+            <a:xfrm rot="16200000">
+              <a:off x="3841039" y="717156"/>
+              <a:ext cx="503902" cy="254462"/>
+            </a:xfrm>
+            <a:prstGeom prst="rect">
+              <a:avLst/>
+            </a:prstGeom>
+            <a:noFill/>
+          </p:spPr>
+          <p:txBody>
+            <a:bodyPr wrap="square" lIns="0" tIns="0" rIns="0" bIns="0" rtlCol="0">
+              <a:noAutofit/>
+            </a:bodyPr>
+            <a:lstStyle/>
+            <a:p>
+              <a:r>
+                <a:rPr lang="en-US" sz="1100" dirty="0">
+                  <a:solidFill>
+                    <a:schemeClr val="accent5">
+                      <a:lumMod val="75000"/>
+                    </a:schemeClr>
+                  </a:solidFill>
+                </a:rPr>
+                <a:t>creates</a:t>
+              </a:r>
+              <a:endParaRPr lang="en-SG" sz="1100" dirty="0">
+                <a:solidFill>
+                  <a:schemeClr val="accent5">
+                    <a:lumMod val="75000"/>
+                  </a:schemeClr>
+                </a:solidFill>
+              </a:endParaRPr>
+            </a:p>
+          </p:txBody>
+        </p:sp>
+        <p:sp>
+          <p:nvSpPr>
+            <p:cNvPr id="93" name="Isosceles Triangle 92">
+              <a:extLst>
+                <a:ext uri="{FF2B5EF4-FFF2-40B4-BE49-F238E27FC236}">
+                  <a16:creationId xmlns:a16="http://schemas.microsoft.com/office/drawing/2014/main" id="{7A6D7FDE-10FB-4173-999C-F3790CC56CB5}"/>
+                </a:ext>
+              </a:extLst>
+            </p:cNvPr>
+            <p:cNvSpPr/>
+            <p:nvPr/>
+          </p:nvSpPr>
+          <p:spPr>
+            <a:xfrm rot="10800000" flipV="1">
+              <a:off x="3995991" y="631624"/>
+              <a:ext cx="132157" cy="79956"/>
+            </a:xfrm>
+            <a:prstGeom prst="triangle">
+              <a:avLst/>
+            </a:prstGeom>
+            <a:solidFill>
+              <a:schemeClr val="accent5">
+                <a:lumMod val="75000"/>
+              </a:schemeClr>
+            </a:solidFill>
+            <a:ln>
+              <a:noFill/>
+            </a:ln>
+          </p:spPr>
+          <p:style>
+            <a:lnRef idx="2">
+              <a:schemeClr val="accent1">
+                <a:shade val="50000"/>
+              </a:schemeClr>
+            </a:lnRef>
+            <a:fillRef idx="1">
+              <a:schemeClr val="accent1"/>
+            </a:fillRef>
+            <a:effectRef idx="0">
+              <a:schemeClr val="accent1"/>
+            </a:effectRef>
+            <a:fontRef idx="minor">
+              <a:schemeClr val="lt1"/>
+            </a:fontRef>
+          </p:style>
+          <p:txBody>
+            <a:bodyPr rtlCol="0" anchor="ctr"/>
+            <a:lstStyle/>
+            <a:p>
+              <a:pPr algn="ctr"/>
+              <a:endParaRPr lang="en-SG"/>
+            </a:p>
+          </p:txBody>
+        </p:sp>
+      </p:grpSp>
+      <p:sp>
+        <p:nvSpPr>
+          <p:cNvPr id="94" name="Rectangle 11">
+            <a:extLst>
+              <a:ext uri="{FF2B5EF4-FFF2-40B4-BE49-F238E27FC236}">
+                <a16:creationId xmlns:a16="http://schemas.microsoft.com/office/drawing/2014/main" id="{98911501-DC85-42C6-9B36-D2262A8AAAF3}"/>
+              </a:ext>
+            </a:extLst>
+          </p:cNvPr>
+          <p:cNvSpPr/>
+          <p:nvPr/>
+        </p:nvSpPr>
+        <p:spPr>
+          <a:xfrm flipH="1">
+            <a:off x="8150537" y="2749330"/>
+            <a:ext cx="1020017" cy="346760"/>
+          </a:xfrm>
+          <a:prstGeom prst="rect">
+            <a:avLst/>
+          </a:prstGeom>
+          <a:ln w="19050">
+            <a:solidFill>
+              <a:srgbClr val="0070C0"/>
+            </a:solidFill>
+          </a:ln>
+          <a:effectLst/>
+        </p:spPr>
+        <p:style>
+          <a:lnRef idx="1">
+            <a:schemeClr val="accent1"/>
+          </a:lnRef>
+          <a:fillRef idx="2">
+            <a:schemeClr val="accent1"/>
+          </a:fillRef>
+          <a:effectRef idx="1">
+            <a:schemeClr val="accent1"/>
+          </a:effectRef>
+          <a:fontRef idx="minor">
+            <a:schemeClr val="dk1"/>
+          </a:fontRef>
+        </p:style>
+        <p:txBody>
+          <a:bodyPr rtlCol="0" anchor="ctr"/>
+          <a:lstStyle/>
+          <a:p>
+            <a:pPr algn="ctr"/>
+            <a:r>
+              <a:rPr lang="en-SG" sz="1050" b="1" dirty="0">
+                <a:solidFill>
+                  <a:srgbClr val="0070C0"/>
+                </a:solidFill>
+              </a:rPr>
+              <a:t>{abstract}</a:t>
+            </a:r>
+          </a:p>
+          <a:p>
+            <a:pPr algn="ctr"/>
+            <a:r>
+              <a:rPr lang="en-SG" sz="1050" b="1" dirty="0" err="1">
+                <a:solidFill>
+                  <a:srgbClr val="0070C0"/>
+                </a:solidFill>
+              </a:rPr>
+              <a:t>ABCCommand</a:t>
+            </a:r>
+            <a:endParaRPr lang="en-SG" sz="1050" b="1" dirty="0">
               <a:solidFill>
-                <a:schemeClr val="bg1"/>
+                <a:srgbClr val="0070C0"/>
               </a:solidFill>
             </a:endParaRPr>
           </a:p>
         </p:txBody>
       </p:sp>
+      <p:sp>
+        <p:nvSpPr>
+          <p:cNvPr id="98" name="Isosceles Triangle 102">
+            <a:extLst>
+              <a:ext uri="{FF2B5EF4-FFF2-40B4-BE49-F238E27FC236}">
+                <a16:creationId xmlns:a16="http://schemas.microsoft.com/office/drawing/2014/main" id="{5BD7C1BD-543B-4B83-8EC1-B064F611139D}"/>
+              </a:ext>
+            </a:extLst>
+          </p:cNvPr>
+          <p:cNvSpPr/>
+          <p:nvPr/>
+        </p:nvSpPr>
+        <p:spPr>
+          <a:xfrm flipV="1">
+            <a:off x="8521420" y="3973517"/>
+            <a:ext cx="270504" cy="175523"/>
+          </a:xfrm>
+          <a:prstGeom prst="triangle">
+            <a:avLst/>
+          </a:prstGeom>
+          <a:solidFill>
+            <a:schemeClr val="tx2">
+              <a:lumMod val="60000"/>
+              <a:lumOff val="40000"/>
+            </a:schemeClr>
+          </a:solidFill>
+          <a:ln w="19050">
+            <a:solidFill>
+              <a:srgbClr val="0070C0"/>
+            </a:solidFill>
+          </a:ln>
+          <a:effectLst/>
+        </p:spPr>
+        <p:style>
+          <a:lnRef idx="1">
+            <a:schemeClr val="accent1"/>
+          </a:lnRef>
+          <a:fillRef idx="2">
+            <a:schemeClr val="accent1"/>
+          </a:fillRef>
+          <a:effectRef idx="1">
+            <a:schemeClr val="accent1"/>
+          </a:effectRef>
+          <a:fontRef idx="minor">
+            <a:schemeClr val="dk1"/>
+          </a:fontRef>
+        </p:style>
+        <p:txBody>
+          <a:bodyPr rtlCol="0" anchor="ctr"/>
+          <a:lstStyle/>
+          <a:p>
+            <a:pPr algn="ctr"/>
+            <a:endParaRPr lang="en-SG" sz="1050" b="1">
+              <a:solidFill>
+                <a:srgbClr val="92D050"/>
+              </a:solidFill>
+            </a:endParaRPr>
+          </a:p>
+        </p:txBody>
+      </p:sp>
+      <p:cxnSp>
+        <p:nvCxnSpPr>
+          <p:cNvPr id="99" name="Elbow Connector 95">
+            <a:extLst>
+              <a:ext uri="{FF2B5EF4-FFF2-40B4-BE49-F238E27FC236}">
+                <a16:creationId xmlns:a16="http://schemas.microsoft.com/office/drawing/2014/main" id="{6CBDFF96-8C58-4065-86AF-7727972B2DCE}"/>
+              </a:ext>
+            </a:extLst>
+          </p:cNvPr>
+          <p:cNvCxnSpPr>
+            <a:cxnSpLocks/>
+            <a:stCxn id="98" idx="3"/>
+            <a:endCxn id="94" idx="2"/>
+          </p:cNvCxnSpPr>
+          <p:nvPr/>
+        </p:nvCxnSpPr>
+        <p:spPr>
+          <a:xfrm rot="5400000" flipH="1" flipV="1">
+            <a:off x="8219895" y="3532868"/>
+            <a:ext cx="877427" cy="3873"/>
+          </a:xfrm>
+          <a:prstGeom prst="bentConnector3">
+            <a:avLst>
+              <a:gd name="adj1" fmla="val 50000"/>
+            </a:avLst>
+          </a:prstGeom>
+          <a:ln w="19050">
+            <a:headEnd type="none" w="med" len="med"/>
+            <a:tailEnd type="none" w="med" len="med"/>
+          </a:ln>
+        </p:spPr>
+        <p:style>
+          <a:lnRef idx="1">
+            <a:schemeClr val="accent1"/>
+          </a:lnRef>
+          <a:fillRef idx="0">
+            <a:schemeClr val="accent1"/>
+          </a:fillRef>
+          <a:effectRef idx="0">
+            <a:schemeClr val="accent1"/>
+          </a:effectRef>
+          <a:fontRef idx="minor">
+            <a:schemeClr val="tx1"/>
+          </a:fontRef>
+        </p:style>
+      </p:cxnSp>
+      <p:sp>
+        <p:nvSpPr>
+          <p:cNvPr id="100" name="Isosceles Triangle 102">
+            <a:extLst>
+              <a:ext uri="{FF2B5EF4-FFF2-40B4-BE49-F238E27FC236}">
+                <a16:creationId xmlns:a16="http://schemas.microsoft.com/office/drawing/2014/main" id="{4B22FEEE-BA51-4C8A-A011-847642899CB5}"/>
+              </a:ext>
+            </a:extLst>
+          </p:cNvPr>
+          <p:cNvSpPr/>
+          <p:nvPr/>
+        </p:nvSpPr>
+        <p:spPr>
+          <a:xfrm flipV="1">
+            <a:off x="8497546" y="2551507"/>
+            <a:ext cx="270504" cy="175523"/>
+          </a:xfrm>
+          <a:prstGeom prst="triangle">
+            <a:avLst/>
+          </a:prstGeom>
+          <a:solidFill>
+            <a:schemeClr val="tx2">
+              <a:lumMod val="60000"/>
+              <a:lumOff val="40000"/>
+            </a:schemeClr>
+          </a:solidFill>
+          <a:ln w="19050">
+            <a:solidFill>
+              <a:srgbClr val="0070C0"/>
+            </a:solidFill>
+          </a:ln>
+          <a:effectLst/>
+        </p:spPr>
+        <p:style>
+          <a:lnRef idx="1">
+            <a:schemeClr val="accent1"/>
+          </a:lnRef>
+          <a:fillRef idx="2">
+            <a:schemeClr val="accent1"/>
+          </a:fillRef>
+          <a:effectRef idx="1">
+            <a:schemeClr val="accent1"/>
+          </a:effectRef>
+          <a:fontRef idx="minor">
+            <a:schemeClr val="dk1"/>
+          </a:fontRef>
+        </p:style>
+        <p:txBody>
+          <a:bodyPr rtlCol="0" anchor="ctr"/>
+          <a:lstStyle/>
+          <a:p>
+            <a:pPr algn="ctr"/>
+            <a:endParaRPr lang="en-SG" sz="1050" b="1">
+              <a:solidFill>
+                <a:srgbClr val="92D050"/>
+              </a:solidFill>
+            </a:endParaRPr>
+          </a:p>
+        </p:txBody>
+      </p:sp>
+      <p:cxnSp>
+        <p:nvCxnSpPr>
+          <p:cNvPr id="105" name="Elbow Connector 95">
+            <a:extLst>
+              <a:ext uri="{FF2B5EF4-FFF2-40B4-BE49-F238E27FC236}">
+                <a16:creationId xmlns:a16="http://schemas.microsoft.com/office/drawing/2014/main" id="{733C9233-D4C5-43A3-8B7E-B48AEB1F0C36}"/>
+              </a:ext>
+            </a:extLst>
+          </p:cNvPr>
+          <p:cNvCxnSpPr>
+            <a:cxnSpLocks/>
+            <a:stCxn id="100" idx="3"/>
+            <a:endCxn id="61" idx="2"/>
+          </p:cNvCxnSpPr>
+          <p:nvPr/>
+        </p:nvCxnSpPr>
+        <p:spPr>
+          <a:xfrm rot="16200000" flipV="1">
+            <a:off x="8463171" y="2381880"/>
+            <a:ext cx="236306" cy="102948"/>
+          </a:xfrm>
+          <a:prstGeom prst="bentConnector3">
+            <a:avLst>
+              <a:gd name="adj1" fmla="val 50000"/>
+            </a:avLst>
+          </a:prstGeom>
+          <a:ln w="19050">
+            <a:headEnd type="none" w="med" len="med"/>
+            <a:tailEnd type="none" w="med" len="med"/>
+          </a:ln>
+        </p:spPr>
+        <p:style>
+          <a:lnRef idx="1">
+            <a:schemeClr val="accent1"/>
+          </a:lnRef>
+          <a:fillRef idx="0">
+            <a:schemeClr val="accent1"/>
+          </a:fillRef>
+          <a:effectRef idx="0">
+            <a:schemeClr val="accent1"/>
+          </a:effectRef>
+          <a:fontRef idx="minor">
+            <a:schemeClr val="tx1"/>
+          </a:fontRef>
+        </p:style>
+      </p:cxnSp>
     </p:spTree>
     <p:extLst>
       <p:ext uri="{BB962C8B-B14F-4D97-AF65-F5344CB8AC3E}">

--- a/docs/diagrams/LogicComponentClassDiagram.pptx
+++ b/docs/diagrams/LogicComponentClassDiagram.pptx
@@ -208,7 +208,7 @@
           <a:p>
             <a:fld id="{F5CC4B3F-88C1-4FFA-B1B6-F41C21DC6924}" type="datetimeFigureOut">
               <a:rPr lang="en-US" smtClean="0"/>
-              <a:t>3/31/2019</a:t>
+              <a:t>4/1/2019</a:t>
             </a:fld>
             <a:endParaRPr lang="en-US"/>
           </a:p>
@@ -738,7 +738,7 @@
           <a:p>
             <a:fld id="{78C97017-6FC3-485B-9764-EAC9E56C1D49}" type="datetimeFigureOut">
               <a:rPr lang="en-US" smtClean="0"/>
-              <a:t>3/31/2019</a:t>
+              <a:t>4/1/2019</a:t>
             </a:fld>
             <a:endParaRPr lang="en-US"/>
           </a:p>
@@ -906,7 +906,7 @@
           <a:p>
             <a:fld id="{78C97017-6FC3-485B-9764-EAC9E56C1D49}" type="datetimeFigureOut">
               <a:rPr lang="en-US" smtClean="0"/>
-              <a:t>3/31/2019</a:t>
+              <a:t>4/1/2019</a:t>
             </a:fld>
             <a:endParaRPr lang="en-US"/>
           </a:p>
@@ -1084,7 +1084,7 @@
           <a:p>
             <a:fld id="{78C97017-6FC3-485B-9764-EAC9E56C1D49}" type="datetimeFigureOut">
               <a:rPr lang="en-US" smtClean="0"/>
-              <a:t>3/31/2019</a:t>
+              <a:t>4/1/2019</a:t>
             </a:fld>
             <a:endParaRPr lang="en-US"/>
           </a:p>
@@ -1252,7 +1252,7 @@
           <a:p>
             <a:fld id="{78C97017-6FC3-485B-9764-EAC9E56C1D49}" type="datetimeFigureOut">
               <a:rPr lang="en-US" smtClean="0"/>
-              <a:t>3/31/2019</a:t>
+              <a:t>4/1/2019</a:t>
             </a:fld>
             <a:endParaRPr lang="en-US"/>
           </a:p>
@@ -1497,7 +1497,7 @@
           <a:p>
             <a:fld id="{78C97017-6FC3-485B-9764-EAC9E56C1D49}" type="datetimeFigureOut">
               <a:rPr lang="en-US" smtClean="0"/>
-              <a:t>3/31/2019</a:t>
+              <a:t>4/1/2019</a:t>
             </a:fld>
             <a:endParaRPr lang="en-US"/>
           </a:p>
@@ -1782,7 +1782,7 @@
           <a:p>
             <a:fld id="{78C97017-6FC3-485B-9764-EAC9E56C1D49}" type="datetimeFigureOut">
               <a:rPr lang="en-US" smtClean="0"/>
-              <a:t>3/31/2019</a:t>
+              <a:t>4/1/2019</a:t>
             </a:fld>
             <a:endParaRPr lang="en-US"/>
           </a:p>
@@ -2201,7 +2201,7 @@
           <a:p>
             <a:fld id="{78C97017-6FC3-485B-9764-EAC9E56C1D49}" type="datetimeFigureOut">
               <a:rPr lang="en-US" smtClean="0"/>
-              <a:t>3/31/2019</a:t>
+              <a:t>4/1/2019</a:t>
             </a:fld>
             <a:endParaRPr lang="en-US"/>
           </a:p>
@@ -2318,7 +2318,7 @@
           <a:p>
             <a:fld id="{78C97017-6FC3-485B-9764-EAC9E56C1D49}" type="datetimeFigureOut">
               <a:rPr lang="en-US" smtClean="0"/>
-              <a:t>3/31/2019</a:t>
+              <a:t>4/1/2019</a:t>
             </a:fld>
             <a:endParaRPr lang="en-US"/>
           </a:p>
@@ -2413,7 +2413,7 @@
           <a:p>
             <a:fld id="{78C97017-6FC3-485B-9764-EAC9E56C1D49}" type="datetimeFigureOut">
               <a:rPr lang="en-US" smtClean="0"/>
-              <a:t>3/31/2019</a:t>
+              <a:t>4/1/2019</a:t>
             </a:fld>
             <a:endParaRPr lang="en-US"/>
           </a:p>
@@ -2688,7 +2688,7 @@
           <a:p>
             <a:fld id="{78C97017-6FC3-485B-9764-EAC9E56C1D49}" type="datetimeFigureOut">
               <a:rPr lang="en-US" smtClean="0"/>
-              <a:t>3/31/2019</a:t>
+              <a:t>4/1/2019</a:t>
             </a:fld>
             <a:endParaRPr lang="en-US"/>
           </a:p>
@@ -2940,7 +2940,7 @@
           <a:p>
             <a:fld id="{78C97017-6FC3-485B-9764-EAC9E56C1D49}" type="datetimeFigureOut">
               <a:rPr lang="en-US" smtClean="0"/>
-              <a:t>3/31/2019</a:t>
+              <a:t>4/1/2019</a:t>
             </a:fld>
             <a:endParaRPr lang="en-US"/>
           </a:p>
@@ -3151,7 +3151,7 @@
           <a:p>
             <a:fld id="{78C97017-6FC3-485B-9764-EAC9E56C1D49}" type="datetimeFigureOut">
               <a:rPr lang="en-US" smtClean="0"/>
-              <a:t>3/31/2019</a:t>
+              <a:t>4/1/2019</a:t>
             </a:fld>
             <a:endParaRPr lang="en-US"/>
           </a:p>
@@ -4627,13 +4627,15 @@
       <p:cxnSp>
         <p:nvCxnSpPr>
           <p:cNvPr id="39" name="Elbow Connector 122"/>
-          <p:cNvCxnSpPr/>
+          <p:cNvCxnSpPr>
+            <a:cxnSpLocks/>
+          </p:cNvCxnSpPr>
           <p:nvPr/>
         </p:nvCxnSpPr>
         <p:spPr>
           <a:xfrm rot="5400000" flipH="1" flipV="1">
-            <a:off x="1193276" y="2601868"/>
-            <a:ext cx="1969553" cy="2764"/>
+            <a:off x="946806" y="2384800"/>
+            <a:ext cx="2404366" cy="12700"/>
           </a:xfrm>
           <a:prstGeom prst="bentConnector3">
             <a:avLst>
